--- a/PPT/J8-多线程设计.pptx
+++ b/PPT/J8-多线程设计.pptx
@@ -5,10 +5,10 @@
     <p:sldMasterId id="2147483648" r:id="rId1"/>
   </p:sldMasterIdLst>
   <p:notesMasterIdLst>
-    <p:notesMasterId r:id="rId34"/>
+    <p:notesMasterId r:id="rId35"/>
   </p:notesMasterIdLst>
   <p:handoutMasterIdLst>
-    <p:handoutMasterId r:id="rId35"/>
+    <p:handoutMasterId r:id="rId36"/>
   </p:handoutMasterIdLst>
   <p:sldIdLst>
     <p:sldId id="271" r:id="rId2"/>
@@ -26,28 +26,29 @@
     <p:sldId id="680" r:id="rId14"/>
     <p:sldId id="765" r:id="rId15"/>
     <p:sldId id="766" r:id="rId16"/>
-    <p:sldId id="804" r:id="rId17"/>
-    <p:sldId id="516" r:id="rId18"/>
-    <p:sldId id="517" r:id="rId19"/>
-    <p:sldId id="519" r:id="rId20"/>
-    <p:sldId id="805" r:id="rId21"/>
-    <p:sldId id="806" r:id="rId22"/>
-    <p:sldId id="807" r:id="rId23"/>
-    <p:sldId id="814" r:id="rId24"/>
-    <p:sldId id="815" r:id="rId25"/>
-    <p:sldId id="816" r:id="rId26"/>
-    <p:sldId id="817" r:id="rId27"/>
-    <p:sldId id="818" r:id="rId28"/>
-    <p:sldId id="819" r:id="rId29"/>
-    <p:sldId id="820" r:id="rId30"/>
-    <p:sldId id="822" r:id="rId31"/>
-    <p:sldId id="823" r:id="rId32"/>
-    <p:sldId id="648" r:id="rId33"/>
+    <p:sldId id="824" r:id="rId17"/>
+    <p:sldId id="804" r:id="rId18"/>
+    <p:sldId id="516" r:id="rId19"/>
+    <p:sldId id="517" r:id="rId20"/>
+    <p:sldId id="519" r:id="rId21"/>
+    <p:sldId id="805" r:id="rId22"/>
+    <p:sldId id="806" r:id="rId23"/>
+    <p:sldId id="807" r:id="rId24"/>
+    <p:sldId id="814" r:id="rId25"/>
+    <p:sldId id="815" r:id="rId26"/>
+    <p:sldId id="816" r:id="rId27"/>
+    <p:sldId id="817" r:id="rId28"/>
+    <p:sldId id="818" r:id="rId29"/>
+    <p:sldId id="819" r:id="rId30"/>
+    <p:sldId id="820" r:id="rId31"/>
+    <p:sldId id="822" r:id="rId32"/>
+    <p:sldId id="823" r:id="rId33"/>
+    <p:sldId id="648" r:id="rId34"/>
   </p:sldIdLst>
   <p:sldSz cx="12192000" cy="6858000"/>
   <p:notesSz cx="6858000" cy="9144000"/>
   <p:custDataLst>
-    <p:tags r:id="rId36"/>
+    <p:tags r:id="rId37"/>
   </p:custDataLst>
   <p:defaultTextStyle>
     <a:defPPr rtl="0">
@@ -3232,7 +3233,7 @@
                 <a:latin typeface="微软雅黑" panose="020B0503020204020204" pitchFamily="34" charset="-122"/>
                 <a:ea typeface="微软雅黑" panose="020B0503020204020204" pitchFamily="34" charset="-122"/>
               </a:rPr>
-              <a:t>2020年8月11日</a:t>
+              <a:t>2020年10月15日</a:t>
             </a:fld>
             <a:endParaRPr lang="zh-CN" altLang="en-US" dirty="0">
               <a:latin typeface="微软雅黑" panose="020B0503020204020204" pitchFamily="34" charset="-122"/>
@@ -3418,7 +3419,7 @@
             <a:fld id="{EA50F75F-AD11-4973-BAED-59A0098129E9}" type="datetime2">
               <a:rPr lang="zh-CN" altLang="en-US" smtClean="0"/>
               <a:pPr/>
-              <a:t>2020年8月11日</a:t>
+              <a:t>2020年10月15日</a:t>
             </a:fld>
             <a:endParaRPr lang="zh-CN" altLang="en-US" dirty="0"/>
           </a:p>
@@ -4194,7 +4195,7 @@
             <a:fld id="{6970F2BB-3B05-4AC9-8AB6-F58BEF4B989F}" type="slidenum">
               <a:rPr lang="en-US" altLang="zh-CN" smtClean="0"/>
               <a:pPr/>
-              <a:t>18</a:t>
+              <a:t>19</a:t>
             </a:fld>
             <a:endParaRPr lang="en-US" altLang="zh-CN"/>
           </a:p>
@@ -11674,7 +11675,7 @@
             <a:fld id="{B432DCC3-517C-49BA-ABA2-B2F6E7404DD7}" type="datetime2">
               <a:rPr lang="zh-CN" altLang="en-US" smtClean="0"/>
               <a:pPr/>
-              <a:t>2020年8月11日</a:t>
+              <a:t>2020年10月15日</a:t>
             </a:fld>
             <a:endParaRPr lang="zh-CN" altLang="en-US" dirty="0"/>
           </a:p>
@@ -16333,7 +16334,7 @@
             </a:pPr>
             <a:r>
               <a:rPr lang="en-US" altLang="zh-CN" sz="2400" dirty="0"/>
-              <a:t>    </a:t>
+              <a:t>    	  </a:t>
             </a:r>
             <a:r>
               <a:rPr lang="en-US" altLang="zh-CN" sz="2400" dirty="0" err="1"/>
@@ -18372,7 +18373,15 @@
             </a:pPr>
             <a:r>
               <a:rPr lang="zh-CN" sz="2000" dirty="0"/>
-              <a:t>    Thread thread1 = new Thread(first);</a:t>
+              <a:t>    </a:t>
+            </a:r>
+            <a:r>
+              <a:rPr lang="en-US" altLang="zh-CN" sz="2000" dirty="0"/>
+              <a:t>	  </a:t>
+            </a:r>
+            <a:r>
+              <a:rPr lang="zh-CN" sz="2000" dirty="0"/>
+              <a:t>Thread thread1 = new Thread(first);</a:t>
             </a:r>
           </a:p>
           <a:p>
@@ -18384,7 +18393,15 @@
             </a:pPr>
             <a:r>
               <a:rPr lang="zh-CN" sz="2000" dirty="0"/>
-              <a:t>    Thread thread2 = new Thread(second);</a:t>
+              <a:t>    </a:t>
+            </a:r>
+            <a:r>
+              <a:rPr lang="en-US" altLang="zh-CN" sz="2000" dirty="0"/>
+              <a:t>	  </a:t>
+            </a:r>
+            <a:r>
+              <a:rPr lang="zh-CN" sz="2000" dirty="0"/>
+              <a:t>Thread thread2 = new Thread(second);</a:t>
             </a:r>
           </a:p>
           <a:p>
@@ -18396,7 +18413,15 @@
             </a:pPr>
             <a:r>
               <a:rPr lang="zh-CN" sz="2000" dirty="0"/>
-              <a:t>    thread1.start();</a:t>
+              <a:t>    </a:t>
+            </a:r>
+            <a:r>
+              <a:rPr lang="en-US" altLang="zh-CN" sz="2000" dirty="0"/>
+              <a:t>	  </a:t>
+            </a:r>
+            <a:r>
+              <a:rPr lang="zh-CN" sz="2000" dirty="0"/>
+              <a:t>thread1.start();</a:t>
             </a:r>
           </a:p>
           <a:p>
@@ -18408,7 +18433,15 @@
             </a:pPr>
             <a:r>
               <a:rPr lang="zh-CN" sz="2000" dirty="0"/>
-              <a:t>    thread2.start();</a:t>
+              <a:t>    </a:t>
+            </a:r>
+            <a:r>
+              <a:rPr lang="en-US" altLang="zh-CN" sz="2000" dirty="0"/>
+              <a:t>	  </a:t>
+            </a:r>
+            <a:r>
+              <a:rPr lang="zh-CN" sz="2000" dirty="0"/>
+              <a:t>thread2.start();</a:t>
             </a:r>
           </a:p>
           <a:p>
@@ -19151,6 +19184,157 @@
       </p:grpSpPr>
       <p:sp>
         <p:nvSpPr>
+          <p:cNvPr id="2" name="标题 1">
+            <a:extLst>
+              <a:ext uri="{FF2B5EF4-FFF2-40B4-BE49-F238E27FC236}">
+                <a16:creationId xmlns:a16="http://schemas.microsoft.com/office/drawing/2014/main" id="{BF9AABD9-1ABE-4207-9827-BCE20396F931}"/>
+              </a:ext>
+            </a:extLst>
+          </p:cNvPr>
+          <p:cNvSpPr>
+            <a:spLocks noGrp="1"/>
+          </p:cNvSpPr>
+          <p:nvPr>
+            <p:ph type="title"/>
+          </p:nvPr>
+        </p:nvSpPr>
+        <p:spPr/>
+        <p:txBody>
+          <a:bodyPr/>
+          <a:lstStyle/>
+          <a:p>
+            <a:r>
+              <a:rPr lang="en-US" altLang="zh-CN" dirty="0"/>
+              <a:t>Callable</a:t>
+            </a:r>
+            <a:r>
+              <a:rPr lang="zh-CN" altLang="en-US" dirty="0"/>
+              <a:t>接口（补充）</a:t>
+            </a:r>
+          </a:p>
+        </p:txBody>
+      </p:sp>
+      <p:sp>
+        <p:nvSpPr>
+          <p:cNvPr id="3" name="内容占位符 2">
+            <a:extLst>
+              <a:ext uri="{FF2B5EF4-FFF2-40B4-BE49-F238E27FC236}">
+                <a16:creationId xmlns:a16="http://schemas.microsoft.com/office/drawing/2014/main" id="{7E4A52B4-288D-4F75-B6AD-61FEA8BD8AB9}"/>
+              </a:ext>
+            </a:extLst>
+          </p:cNvPr>
+          <p:cNvSpPr>
+            <a:spLocks noGrp="1"/>
+          </p:cNvSpPr>
+          <p:nvPr>
+            <p:ph sz="quarter" idx="10"/>
+          </p:nvPr>
+        </p:nvSpPr>
+        <p:spPr/>
+        <p:txBody>
+          <a:bodyPr/>
+          <a:lstStyle/>
+          <a:p>
+            <a:r>
+              <a:rPr lang="zh-CN" altLang="en-US" dirty="0"/>
+              <a:t>有</a:t>
+            </a:r>
+            <a:r>
+              <a:rPr lang="en-US" altLang="zh-CN" dirty="0"/>
+              <a:t>call()</a:t>
+            </a:r>
+            <a:r>
+              <a:rPr lang="zh-CN" altLang="en-US" dirty="0"/>
+              <a:t>，类似于</a:t>
+            </a:r>
+            <a:r>
+              <a:rPr lang="en-US" altLang="zh-CN" dirty="0"/>
+              <a:t>run()</a:t>
+            </a:r>
+          </a:p>
+          <a:p>
+            <a:r>
+              <a:rPr lang="en-US" altLang="zh-CN" dirty="0"/>
+              <a:t>Call</a:t>
+            </a:r>
+            <a:r>
+              <a:rPr lang="zh-CN" altLang="en-US" dirty="0"/>
+              <a:t>方法有返回值</a:t>
+            </a:r>
+            <a:endParaRPr lang="en-US" altLang="zh-CN" dirty="0"/>
+          </a:p>
+          <a:p>
+            <a:endParaRPr lang="en-US" altLang="zh-CN" dirty="0"/>
+          </a:p>
+          <a:p>
+            <a:r>
+              <a:rPr lang="en-US" altLang="zh-CN" dirty="0"/>
+              <a:t>--------</a:t>
+            </a:r>
+            <a:r>
+              <a:rPr lang="zh-CN" altLang="en-US" dirty="0"/>
+              <a:t>待补充</a:t>
+            </a:r>
+            <a:r>
+              <a:rPr lang="en-US" altLang="zh-CN" dirty="0"/>
+              <a:t>--------</a:t>
+            </a:r>
+            <a:r>
+              <a:rPr lang="zh-CN" altLang="en-US" dirty="0"/>
+              <a:t>百度</a:t>
+            </a:r>
+            <a:r>
+              <a:rPr lang="en-US" altLang="zh-CN" dirty="0"/>
+              <a:t>-----------</a:t>
+            </a:r>
+            <a:endParaRPr lang="zh-CN" altLang="en-US" dirty="0"/>
+          </a:p>
+        </p:txBody>
+      </p:sp>
+    </p:spTree>
+    <p:extLst>
+      <p:ext uri="{BB962C8B-B14F-4D97-AF65-F5344CB8AC3E}">
+        <p14:creationId xmlns:p14="http://schemas.microsoft.com/office/powerpoint/2010/main" val="3682558936"/>
+      </p:ext>
+    </p:extLst>
+  </p:cSld>
+  <p:clrMapOvr>
+    <a:masterClrMapping/>
+  </p:clrMapOvr>
+  <mc:AlternateContent xmlns:mc="http://schemas.openxmlformats.org/markup-compatibility/2006" xmlns:p14="http://schemas.microsoft.com/office/powerpoint/2010/main">
+    <mc:Choice Requires="p14">
+      <p:transition spd="med" p14:dur="700">
+        <p:fade/>
+      </p:transition>
+    </mc:Choice>
+    <mc:Fallback xmlns="">
+      <p:transition spd="med">
+        <p:fade/>
+      </p:transition>
+    </mc:Fallback>
+  </mc:AlternateContent>
+</p:sld>
+</file>
+
+<file path=ppt/slides/slide17.xml><?xml version="1.0" encoding="utf-8"?>
+<p:sld xmlns:a="http://schemas.openxmlformats.org/drawingml/2006/main" xmlns:r="http://schemas.openxmlformats.org/officeDocument/2006/relationships" xmlns:p="http://schemas.openxmlformats.org/presentationml/2006/main">
+  <p:cSld>
+    <p:spTree>
+      <p:nvGrpSpPr>
+        <p:cNvPr id="1" name=""/>
+        <p:cNvGrpSpPr/>
+        <p:nvPr/>
+      </p:nvGrpSpPr>
+      <p:grpSpPr>
+        <a:xfrm>
+          <a:off x="0" y="0"/>
+          <a:ext cx="0" cy="0"/>
+          <a:chOff x="0" y="0"/>
+          <a:chExt cx="0" cy="0"/>
+        </a:xfrm>
+      </p:grpSpPr>
+      <p:sp>
+        <p:nvSpPr>
           <p:cNvPr id="37890" name="Rectangle 2"/>
           <p:cNvSpPr>
             <a:spLocks noGrp="1" noChangeArrowheads="1"/>
@@ -19212,7 +19396,19 @@
               <a:rPr lang="zh-CN" altLang="en-US" dirty="0">
                 <a:sym typeface="Arial" pitchFamily="34" charset="0"/>
               </a:rPr>
-              <a:t>新生态：线程生成之后立即进入这个状态。线程对象已被分配内存空间，其私有数据已被初始化，但该线程还未被调度，可用</a:t>
+              <a:t>新生态：线程生成之后立即进入这个状态。线程对象已被分配内存空间（</a:t>
+            </a:r>
+            <a:r>
+              <a:rPr lang="en-US" altLang="zh-CN" dirty="0">
+                <a:sym typeface="Arial" pitchFamily="34" charset="0"/>
+              </a:rPr>
+              <a:t>new</a:t>
+            </a:r>
+            <a:r>
+              <a:rPr lang="zh-CN" altLang="en-US" dirty="0">
+                <a:sym typeface="Arial" pitchFamily="34" charset="0"/>
+              </a:rPr>
+              <a:t>了），其私有数据已被初始化，但该线程还未被调度，可用</a:t>
             </a:r>
             <a:r>
               <a:rPr lang="zh-CN" altLang="ja-JP" dirty="0">
@@ -19332,7 +19528,7 @@
 </p:sld>
 </file>
 
-<file path=ppt/slides/slide17.xml><?xml version="1.0" encoding="utf-8"?>
+<file path=ppt/slides/slide18.xml><?xml version="1.0" encoding="utf-8"?>
 <p:sld xmlns:a="http://schemas.openxmlformats.org/drawingml/2006/main" xmlns:r="http://schemas.openxmlformats.org/officeDocument/2006/relationships" xmlns:p="http://schemas.openxmlformats.org/presentationml/2006/main">
   <p:cSld>
     <p:spTree>
@@ -20209,7 +20405,7 @@
 </p:sld>
 </file>
 
-<file path=ppt/slides/slide18.xml><?xml version="1.0" encoding="utf-8"?>
+<file path=ppt/slides/slide19.xml><?xml version="1.0" encoding="utf-8"?>
 <p:sld xmlns:a="http://schemas.openxmlformats.org/drawingml/2006/main" xmlns:r="http://schemas.openxmlformats.org/officeDocument/2006/relationships" xmlns:p="http://schemas.openxmlformats.org/presentationml/2006/main">
   <p:cSld>
     <p:spTree>
@@ -20717,7 +20913,100 @@
 </p:sld>
 </file>
 
-<file path=ppt/slides/slide19.xml><?xml version="1.0" encoding="utf-8"?>
+<file path=ppt/slides/slide2.xml><?xml version="1.0" encoding="utf-8"?>
+<p:sld xmlns:a="http://schemas.openxmlformats.org/drawingml/2006/main" xmlns:r="http://schemas.openxmlformats.org/officeDocument/2006/relationships" xmlns:p="http://schemas.openxmlformats.org/presentationml/2006/main">
+  <p:cSld>
+    <p:spTree>
+      <p:nvGrpSpPr>
+        <p:cNvPr id="1" name=""/>
+        <p:cNvGrpSpPr/>
+        <p:nvPr/>
+      </p:nvGrpSpPr>
+      <p:grpSpPr>
+        <a:xfrm>
+          <a:off x="0" y="0"/>
+          <a:ext cx="0" cy="0"/>
+          <a:chOff x="0" y="0"/>
+          <a:chExt cx="0" cy="0"/>
+        </a:xfrm>
+      </p:grpSpPr>
+      <p:sp>
+        <p:nvSpPr>
+          <p:cNvPr id="23554" name="Rectangle 2"/>
+          <p:cNvSpPr>
+            <a:spLocks noGrp="1" noChangeArrowheads="1"/>
+          </p:cNvSpPr>
+          <p:nvPr>
+            <p:ph type="title"/>
+          </p:nvPr>
+        </p:nvSpPr>
+        <p:spPr/>
+        <p:txBody>
+          <a:bodyPr/>
+          <a:lstStyle/>
+          <a:p>
+            <a:r>
+              <a:rPr lang="zh-CN" altLang="en-US"/>
+              <a:t>第</a:t>
+            </a:r>
+            <a:r>
+              <a:rPr lang="en-US" altLang="zh-CN"/>
+              <a:t>8</a:t>
+            </a:r>
+            <a:r>
+              <a:rPr lang="zh-CN" altLang="en-US"/>
+              <a:t>章 多线程设计</a:t>
+            </a:r>
+            <a:endParaRPr lang="zh-CN" altLang="en-US" dirty="0"/>
+          </a:p>
+        </p:txBody>
+      </p:sp>
+      <p:graphicFrame>
+        <p:nvGraphicFramePr>
+          <p:cNvPr id="49" name="内容占位符 48"/>
+          <p:cNvGraphicFramePr>
+            <a:graphicFrameLocks noGrp="1"/>
+          </p:cNvGraphicFramePr>
+          <p:nvPr>
+            <p:ph sz="quarter" idx="10"/>
+            <p:extLst>
+              <p:ext uri="{D42A27DB-BD31-4B8C-83A1-F6EECF244321}">
+                <p14:modId xmlns:p14="http://schemas.microsoft.com/office/powerpoint/2010/main" val="1216195460"/>
+              </p:ext>
+            </p:extLst>
+          </p:nvPr>
+        </p:nvGraphicFramePr>
+        <p:xfrm>
+          <a:off x="658813" y="1019175"/>
+          <a:ext cx="10736262" cy="5048250"/>
+        </p:xfrm>
+        <a:graphic>
+          <a:graphicData uri="http://schemas.openxmlformats.org/drawingml/2006/diagram">
+            <dgm:relIds xmlns:dgm="http://schemas.openxmlformats.org/drawingml/2006/diagram" xmlns:r="http://schemas.openxmlformats.org/officeDocument/2006/relationships" r:dm="rId3" r:lo="rId4" r:qs="rId5" r:cs="rId6"/>
+          </a:graphicData>
+        </a:graphic>
+      </p:graphicFrame>
+    </p:spTree>
+  </p:cSld>
+  <p:clrMapOvr>
+    <a:masterClrMapping/>
+  </p:clrMapOvr>
+  <mc:AlternateContent xmlns:mc="http://schemas.openxmlformats.org/markup-compatibility/2006" xmlns:p14="http://schemas.microsoft.com/office/powerpoint/2010/main">
+    <mc:Choice Requires="p14">
+      <p:transition spd="med" p14:dur="700">
+        <p:fade/>
+      </p:transition>
+    </mc:Choice>
+    <mc:Fallback xmlns="">
+      <p:transition spd="med">
+        <p:fade/>
+      </p:transition>
+    </mc:Fallback>
+  </mc:AlternateContent>
+</p:sld>
+</file>
+
+<file path=ppt/slides/slide20.xml><?xml version="1.0" encoding="utf-8"?>
 <p:sld xmlns:a="http://schemas.openxmlformats.org/drawingml/2006/main" xmlns:r="http://schemas.openxmlformats.org/officeDocument/2006/relationships" xmlns:p="http://schemas.openxmlformats.org/presentationml/2006/main">
   <p:cSld>
     <p:spTree>
@@ -21249,100 +21538,7 @@
 </p:sld>
 </file>
 
-<file path=ppt/slides/slide2.xml><?xml version="1.0" encoding="utf-8"?>
-<p:sld xmlns:a="http://schemas.openxmlformats.org/drawingml/2006/main" xmlns:r="http://schemas.openxmlformats.org/officeDocument/2006/relationships" xmlns:p="http://schemas.openxmlformats.org/presentationml/2006/main">
-  <p:cSld>
-    <p:spTree>
-      <p:nvGrpSpPr>
-        <p:cNvPr id="1" name=""/>
-        <p:cNvGrpSpPr/>
-        <p:nvPr/>
-      </p:nvGrpSpPr>
-      <p:grpSpPr>
-        <a:xfrm>
-          <a:off x="0" y="0"/>
-          <a:ext cx="0" cy="0"/>
-          <a:chOff x="0" y="0"/>
-          <a:chExt cx="0" cy="0"/>
-        </a:xfrm>
-      </p:grpSpPr>
-      <p:sp>
-        <p:nvSpPr>
-          <p:cNvPr id="23554" name="Rectangle 2"/>
-          <p:cNvSpPr>
-            <a:spLocks noGrp="1" noChangeArrowheads="1"/>
-          </p:cNvSpPr>
-          <p:nvPr>
-            <p:ph type="title"/>
-          </p:nvPr>
-        </p:nvSpPr>
-        <p:spPr/>
-        <p:txBody>
-          <a:bodyPr/>
-          <a:lstStyle/>
-          <a:p>
-            <a:r>
-              <a:rPr lang="zh-CN" altLang="en-US"/>
-              <a:t>第</a:t>
-            </a:r>
-            <a:r>
-              <a:rPr lang="en-US" altLang="zh-CN"/>
-              <a:t>8</a:t>
-            </a:r>
-            <a:r>
-              <a:rPr lang="zh-CN" altLang="en-US"/>
-              <a:t>章 多线程设计</a:t>
-            </a:r>
-            <a:endParaRPr lang="zh-CN" altLang="en-US" dirty="0"/>
-          </a:p>
-        </p:txBody>
-      </p:sp>
-      <p:graphicFrame>
-        <p:nvGraphicFramePr>
-          <p:cNvPr id="49" name="内容占位符 48"/>
-          <p:cNvGraphicFramePr>
-            <a:graphicFrameLocks noGrp="1"/>
-          </p:cNvGraphicFramePr>
-          <p:nvPr>
-            <p:ph sz="quarter" idx="10"/>
-            <p:extLst>
-              <p:ext uri="{D42A27DB-BD31-4B8C-83A1-F6EECF244321}">
-                <p14:modId xmlns:p14="http://schemas.microsoft.com/office/powerpoint/2010/main" val="1216195460"/>
-              </p:ext>
-            </p:extLst>
-          </p:nvPr>
-        </p:nvGraphicFramePr>
-        <p:xfrm>
-          <a:off x="658813" y="1019175"/>
-          <a:ext cx="10736262" cy="5048250"/>
-        </p:xfrm>
-        <a:graphic>
-          <a:graphicData uri="http://schemas.openxmlformats.org/drawingml/2006/diagram">
-            <dgm:relIds xmlns:dgm="http://schemas.openxmlformats.org/drawingml/2006/diagram" xmlns:r="http://schemas.openxmlformats.org/officeDocument/2006/relationships" r:dm="rId3" r:lo="rId4" r:qs="rId5" r:cs="rId6"/>
-          </a:graphicData>
-        </a:graphic>
-      </p:graphicFrame>
-    </p:spTree>
-  </p:cSld>
-  <p:clrMapOvr>
-    <a:masterClrMapping/>
-  </p:clrMapOvr>
-  <mc:AlternateContent xmlns:mc="http://schemas.openxmlformats.org/markup-compatibility/2006" xmlns:p14="http://schemas.microsoft.com/office/powerpoint/2010/main">
-    <mc:Choice Requires="p14">
-      <p:transition spd="med" p14:dur="700">
-        <p:fade/>
-      </p:transition>
-    </mc:Choice>
-    <mc:Fallback xmlns="">
-      <p:transition spd="med">
-        <p:fade/>
-      </p:transition>
-    </mc:Fallback>
-  </mc:AlternateContent>
-</p:sld>
-</file>
-
-<file path=ppt/slides/slide20.xml><?xml version="1.0" encoding="utf-8"?>
+<file path=ppt/slides/slide21.xml><?xml version="1.0" encoding="utf-8"?>
 <p:sld xmlns:a="http://schemas.openxmlformats.org/drawingml/2006/main" xmlns:r="http://schemas.openxmlformats.org/officeDocument/2006/relationships" xmlns:p="http://schemas.openxmlformats.org/presentationml/2006/main">
   <p:cSld>
     <p:spTree>
@@ -21808,7 +22004,7 @@
 </p:sld>
 </file>
 
-<file path=ppt/slides/slide21.xml><?xml version="1.0" encoding="utf-8"?>
+<file path=ppt/slides/slide22.xml><?xml version="1.0" encoding="utf-8"?>
 <p:sld xmlns:a="http://schemas.openxmlformats.org/drawingml/2006/main" xmlns:r="http://schemas.openxmlformats.org/officeDocument/2006/relationships" xmlns:p="http://schemas.openxmlformats.org/presentationml/2006/main">
   <p:cSld>
     <p:spTree>
@@ -22411,7 +22607,7 @@
 </p:sld>
 </file>
 
-<file path=ppt/slides/slide22.xml><?xml version="1.0" encoding="utf-8"?>
+<file path=ppt/slides/slide23.xml><?xml version="1.0" encoding="utf-8"?>
 <p:sld xmlns:a="http://schemas.openxmlformats.org/drawingml/2006/main" xmlns:r="http://schemas.openxmlformats.org/officeDocument/2006/relationships" xmlns:p="http://schemas.openxmlformats.org/presentationml/2006/main">
   <p:cSld>
     <p:spTree>
@@ -22475,7 +22671,7 @@
           <a:graphicData uri="http://schemas.openxmlformats.org/presentationml/2006/ole">
             <mc:AlternateContent xmlns:mc="http://schemas.openxmlformats.org/markup-compatibility/2006">
               <mc:Choice xmlns:v="urn:schemas-microsoft-com:vml" Requires="v">
-                <p:oleObj spid="_x0000_s1035" name="文档" r:id="rId3" imgW="5016500" imgH="3200400" progId="Word.Document.12">
+                <p:oleObj spid="_x0000_s1045" name="文档" r:id="rId3" imgW="5016500" imgH="3200400" progId="Word.Document.12">
                   <p:embed/>
                 </p:oleObj>
               </mc:Choice>
@@ -22530,7 +22726,7 @@
 </p:sld>
 </file>
 
-<file path=ppt/slides/slide23.xml><?xml version="1.0" encoding="utf-8"?>
+<file path=ppt/slides/slide24.xml><?xml version="1.0" encoding="utf-8"?>
 <p:sld xmlns:a="http://schemas.openxmlformats.org/drawingml/2006/main" xmlns:r="http://schemas.openxmlformats.org/officeDocument/2006/relationships" xmlns:p="http://schemas.openxmlformats.org/presentationml/2006/main">
   <p:cSld>
     <p:spTree>
@@ -23416,7 +23612,7 @@
 </p:sld>
 </file>
 
-<file path=ppt/slides/slide24.xml><?xml version="1.0" encoding="utf-8"?>
+<file path=ppt/slides/slide25.xml><?xml version="1.0" encoding="utf-8"?>
 <p:sld xmlns:a="http://schemas.openxmlformats.org/drawingml/2006/main" xmlns:r="http://schemas.openxmlformats.org/officeDocument/2006/relationships" xmlns:p="http://schemas.openxmlformats.org/presentationml/2006/main">
   <p:cSld>
     <p:spTree>
@@ -24142,7 +24338,7 @@
 </p:sld>
 </file>
 
-<file path=ppt/slides/slide25.xml><?xml version="1.0" encoding="utf-8"?>
+<file path=ppt/slides/slide26.xml><?xml version="1.0" encoding="utf-8"?>
 <p:sld xmlns:a="http://schemas.openxmlformats.org/drawingml/2006/main" xmlns:r="http://schemas.openxmlformats.org/officeDocument/2006/relationships" xmlns:p="http://schemas.openxmlformats.org/presentationml/2006/main">
   <p:cSld>
     <p:spTree>
@@ -24192,105 +24388,134 @@
             <p:ph sz="quarter" idx="10"/>
           </p:nvPr>
         </p:nvSpPr>
-        <p:spPr/>
+        <p:spPr>
+          <a:xfrm>
+            <a:off x="571501" y="668780"/>
+            <a:ext cx="10735408" cy="5046784"/>
+          </a:xfrm>
+        </p:spPr>
         <p:txBody>
           <a:bodyPr/>
           <a:lstStyle/>
           <a:p>
             <a:r>
-              <a:rPr lang="zh-CN" altLang="en-US">
+              <a:rPr lang="zh-CN" altLang="en-US" dirty="0">
                 <a:sym typeface="Arial" pitchFamily="34" charset="0"/>
               </a:rPr>
               <a:t>在</a:t>
             </a:r>
             <a:r>
-              <a:rPr lang="zh-CN">
+              <a:rPr lang="zh-CN" dirty="0">
                 <a:sym typeface="Arial" pitchFamily="34" charset="0"/>
               </a:rPr>
               <a:t>Java</a:t>
             </a:r>
             <a:r>
-              <a:rPr lang="zh-CN" altLang="en-US">
+              <a:rPr lang="zh-CN" altLang="en-US" dirty="0">
                 <a:sym typeface="Arial" pitchFamily="34" charset="0"/>
               </a:rPr>
               <a:t>中，使用修饰符</a:t>
             </a:r>
             <a:r>
-              <a:rPr lang="zh-CN" altLang="ja-JP">
+              <a:rPr lang="zh-CN" altLang="ja-JP" dirty="0">
                 <a:sym typeface="Arial" pitchFamily="34" charset="0"/>
               </a:rPr>
               <a:t>synchronized</a:t>
             </a:r>
             <a:r>
-              <a:rPr lang="zh-CN" altLang="en-US">
+              <a:rPr lang="zh-CN" altLang="en-US" dirty="0">
                 <a:sym typeface="Arial" pitchFamily="34" charset="0"/>
               </a:rPr>
               <a:t>来为被保护资源加锁。</a:t>
             </a:r>
-            <a:endParaRPr lang="zh-CN" altLang="ja-JP">
+            <a:endParaRPr lang="zh-CN" altLang="ja-JP" dirty="0">
               <a:sym typeface="Arial" pitchFamily="34" charset="0"/>
             </a:endParaRPr>
           </a:p>
           <a:p>
             <a:r>
-              <a:rPr lang="zh-CN">
+              <a:rPr lang="zh-CN" dirty="0">
                 <a:sym typeface="Arial" pitchFamily="34" charset="0"/>
               </a:rPr>
               <a:t>synchronized</a:t>
             </a:r>
             <a:r>
-              <a:rPr lang="zh-CN" altLang="en-US">
+              <a:rPr lang="zh-CN" altLang="en-US" dirty="0">
                 <a:sym typeface="Arial" pitchFamily="34" charset="0"/>
               </a:rPr>
               <a:t>只能用来说明方法和代码段，不能用它来说明类和成员变量。</a:t>
             </a:r>
-            <a:endParaRPr lang="zh-CN">
+            <a:endParaRPr lang="zh-CN" dirty="0">
               <a:sym typeface="Arial" pitchFamily="34" charset="0"/>
             </a:endParaRPr>
           </a:p>
           <a:p>
             <a:r>
-              <a:rPr lang="zh-CN" altLang="en-US">
+              <a:rPr lang="zh-CN" altLang="en-US" dirty="0">
                 <a:sym typeface="Arial" pitchFamily="34" charset="0"/>
               </a:rPr>
               <a:t>用</a:t>
             </a:r>
             <a:r>
-              <a:rPr lang="zh-CN" altLang="ja-JP">
+              <a:rPr lang="zh-CN" altLang="ja-JP" dirty="0">
                 <a:sym typeface="Arial" pitchFamily="34" charset="0"/>
               </a:rPr>
               <a:t>synchronized</a:t>
             </a:r>
             <a:r>
-              <a:rPr lang="zh-CN" altLang="en-US">
+              <a:rPr lang="zh-CN" altLang="en-US" dirty="0">
                 <a:sym typeface="Arial" pitchFamily="34" charset="0"/>
               </a:rPr>
-              <a:t>修饰的方法和代码段称为方法同步和代码段同步，它意味着同一时刻该方法或代码段只能被一个线程执行，其它想执行该方法或代码段的线程必须等待。</a:t>
-            </a:r>
-            <a:endParaRPr lang="zh-CN" altLang="ja-JP">
+              <a:t>修饰的方法和代码段称为方法同步和代码段同步，它意味着同一时刻该方法或代码段只能被一个线程执行，其它想执行该方法或代码段的线程必须等待。用于代码段时，必须传一个对象</a:t>
+            </a:r>
+            <a:r>
+              <a:rPr lang="en-US" altLang="zh-CN" dirty="0">
+                <a:sym typeface="Arial" pitchFamily="34" charset="0"/>
+              </a:rPr>
+              <a:t>(</a:t>
+            </a:r>
+            <a:r>
+              <a:rPr lang="zh-CN" altLang="en-US" dirty="0">
+                <a:sym typeface="Arial" pitchFamily="34" charset="0"/>
+              </a:rPr>
+              <a:t>例如</a:t>
+            </a:r>
+            <a:r>
+              <a:rPr lang="en-US" altLang="zh-CN" dirty="0">
+                <a:sym typeface="Arial" pitchFamily="34" charset="0"/>
+              </a:rPr>
+              <a:t>this)</a:t>
+            </a:r>
+            <a:r>
+              <a:rPr lang="zh-CN" altLang="en-US" dirty="0">
+                <a:sym typeface="Arial" pitchFamily="34" charset="0"/>
+              </a:rPr>
+              <a:t>；用于方法时</a:t>
+            </a:r>
+            <a:endParaRPr lang="zh-CN" altLang="ja-JP" dirty="0">
               <a:sym typeface="Arial" pitchFamily="34" charset="0"/>
             </a:endParaRPr>
           </a:p>
           <a:p>
             <a:r>
-              <a:rPr lang="zh-CN" altLang="en-US">
+              <a:rPr lang="zh-CN" altLang="en-US" dirty="0">
                 <a:sym typeface="Arial" pitchFamily="34" charset="0"/>
               </a:rPr>
               <a:t>方法同步仅在该方法前加上</a:t>
             </a:r>
             <a:r>
-              <a:rPr lang="zh-CN" altLang="ja-JP">
+              <a:rPr lang="zh-CN" altLang="ja-JP" dirty="0">
                 <a:sym typeface="Arial" pitchFamily="34" charset="0"/>
               </a:rPr>
               <a:t>synchronized</a:t>
             </a:r>
             <a:r>
-              <a:rPr lang="zh-CN" altLang="en-US">
+              <a:rPr lang="zh-CN" altLang="en-US" dirty="0">
                 <a:sym typeface="Arial" pitchFamily="34" charset="0"/>
               </a:rPr>
               <a:t>修饰符即可。</a:t>
             </a:r>
-            <a:endParaRPr lang="zh-CN">
+            <a:endParaRPr lang="en-US" altLang="zh-CN" dirty="0">
               <a:sym typeface="Arial" pitchFamily="34" charset="0"/>
             </a:endParaRPr>
           </a:p>
@@ -24737,7 +24962,7 @@
 </p:sld>
 </file>
 
-<file path=ppt/slides/slide26.xml><?xml version="1.0" encoding="utf-8"?>
+<file path=ppt/slides/slide27.xml><?xml version="1.0" encoding="utf-8"?>
 <p:sld xmlns:a="http://schemas.openxmlformats.org/drawingml/2006/main" xmlns:r="http://schemas.openxmlformats.org/officeDocument/2006/relationships" xmlns:p="http://schemas.openxmlformats.org/presentationml/2006/main">
   <p:cSld>
     <p:spTree>
@@ -25332,7 +25557,7 @@
 </p:sld>
 </file>
 
-<file path=ppt/slides/slide27.xml><?xml version="1.0" encoding="utf-8"?>
+<file path=ppt/slides/slide28.xml><?xml version="1.0" encoding="utf-8"?>
 <p:sld xmlns:a="http://schemas.openxmlformats.org/drawingml/2006/main" xmlns:r="http://schemas.openxmlformats.org/officeDocument/2006/relationships" xmlns:p="http://schemas.openxmlformats.org/presentationml/2006/main">
   <p:cSld>
     <p:spTree>
@@ -25927,7 +26152,7 @@
 </p:sld>
 </file>
 
-<file path=ppt/slides/slide28.xml><?xml version="1.0" encoding="utf-8"?>
+<file path=ppt/slides/slide29.xml><?xml version="1.0" encoding="utf-8"?>
 <p:sld xmlns:a="http://schemas.openxmlformats.org/drawingml/2006/main" xmlns:r="http://schemas.openxmlformats.org/officeDocument/2006/relationships" xmlns:p="http://schemas.openxmlformats.org/presentationml/2006/main">
   <p:cSld>
     <p:spTree>
@@ -26255,7 +26480,202 @@
 </p:sld>
 </file>
 
-<file path=ppt/slides/slide29.xml><?xml version="1.0" encoding="utf-8"?>
+<file path=ppt/slides/slide3.xml><?xml version="1.0" encoding="utf-8"?>
+<p:sld xmlns:a="http://schemas.openxmlformats.org/drawingml/2006/main" xmlns:r="http://schemas.openxmlformats.org/officeDocument/2006/relationships" xmlns:p="http://schemas.openxmlformats.org/presentationml/2006/main">
+  <p:cSld>
+    <p:spTree>
+      <p:nvGrpSpPr>
+        <p:cNvPr id="1" name=""/>
+        <p:cNvGrpSpPr/>
+        <p:nvPr/>
+      </p:nvGrpSpPr>
+      <p:grpSpPr>
+        <a:xfrm>
+          <a:off x="0" y="0"/>
+          <a:ext cx="0" cy="0"/>
+          <a:chOff x="0" y="0"/>
+          <a:chExt cx="0" cy="0"/>
+        </a:xfrm>
+      </p:grpSpPr>
+      <p:sp>
+        <p:nvSpPr>
+          <p:cNvPr id="24578" name="Rectangle 2"/>
+          <p:cNvSpPr>
+            <a:spLocks noGrp="1" noChangeArrowheads="1"/>
+          </p:cNvSpPr>
+          <p:nvPr>
+            <p:ph type="title"/>
+          </p:nvPr>
+        </p:nvSpPr>
+        <p:spPr/>
+        <p:txBody>
+          <a:bodyPr/>
+          <a:lstStyle/>
+          <a:p>
+            <a:r>
+              <a:rPr lang="zh-CN" dirty="0">
+                <a:sym typeface="Arial" charset="0"/>
+              </a:rPr>
+              <a:t>线程</a:t>
+            </a:r>
+          </a:p>
+        </p:txBody>
+      </p:sp>
+      <p:sp>
+        <p:nvSpPr>
+          <p:cNvPr id="24579" name="Rectangle 3"/>
+          <p:cNvSpPr>
+            <a:spLocks noGrp="1" noChangeArrowheads="1"/>
+          </p:cNvSpPr>
+          <p:nvPr>
+            <p:ph sz="quarter" idx="10"/>
+          </p:nvPr>
+        </p:nvSpPr>
+        <p:spPr/>
+        <p:txBody>
+          <a:bodyPr/>
+          <a:lstStyle/>
+          <a:p>
+            <a:r>
+              <a:rPr lang="zh-CN" altLang="en-US">
+                <a:sym typeface="Arial" pitchFamily="34" charset="0"/>
+              </a:rPr>
+              <a:t>线程就是应用程序中的一个可执行线索，多线程就是同一个应用程序中有多个可执行线索，它们可以并发执行。</a:t>
+            </a:r>
+            <a:endParaRPr lang="en-US" altLang="zh-CN">
+              <a:sym typeface="Arial" pitchFamily="34" charset="0"/>
+            </a:endParaRPr>
+          </a:p>
+          <a:p>
+            <a:r>
+              <a:rPr lang="zh-CN" altLang="en-US">
+                <a:sym typeface="Arial" pitchFamily="34" charset="0"/>
+              </a:rPr>
+              <a:t>多线程就是同一程序中多个任务的并发实现。</a:t>
+            </a:r>
+            <a:endParaRPr lang="en-US" altLang="zh-CN">
+              <a:sym typeface="Arial" pitchFamily="34" charset="0"/>
+            </a:endParaRPr>
+          </a:p>
+          <a:p>
+            <a:r>
+              <a:rPr lang="zh-CN" altLang="en-US">
+                <a:sym typeface="Arial" pitchFamily="34" charset="0"/>
+              </a:rPr>
+              <a:t>同类的多个线程是共享一块内存空间和一组系统资源，而线程本身的数据通常只有微处理器的寄存器数据，以及一个供程序执行时使用的堆栈。</a:t>
+            </a:r>
+            <a:endParaRPr lang="zh-CN" altLang="zh-CN">
+              <a:sym typeface="Arial" pitchFamily="34" charset="0"/>
+            </a:endParaRPr>
+          </a:p>
+          <a:p>
+            <a:endParaRPr lang="zh-CN" altLang="zh-CN">
+              <a:sym typeface="Arial" pitchFamily="34" charset="0"/>
+            </a:endParaRPr>
+          </a:p>
+          <a:p>
+            <a:endParaRPr lang="zh-CN" dirty="0"/>
+          </a:p>
+        </p:txBody>
+      </p:sp>
+      <p:sp>
+        <p:nvSpPr>
+          <p:cNvPr id="24580" name="Rectangle 4"/>
+          <p:cNvSpPr>
+            <a:spLocks noGrp="1" noChangeArrowheads="1"/>
+          </p:cNvSpPr>
+          <p:nvPr/>
+        </p:nvSpPr>
+        <p:spPr bwMode="auto">
+          <a:xfrm>
+            <a:off x="1981200" y="3352800"/>
+            <a:ext cx="8229600" cy="609600"/>
+          </a:xfrm>
+          <a:prstGeom prst="rect">
+            <a:avLst/>
+          </a:prstGeom>
+          <a:noFill/>
+          <a:ln>
+            <a:noFill/>
+          </a:ln>
+          <a:effectLst/>
+          <a:extLst>
+            <a:ext uri="{909E8E84-426E-40dd-AFC4-6F175D3DCCD1}">
+              <a14:hiddenFill xmlns="" xmlns:a14="http://schemas.microsoft.com/office/drawing/2010/main">
+                <a:solidFill>
+                  <a:schemeClr val="accent1"/>
+                </a:solidFill>
+              </a14:hiddenFill>
+            </a:ext>
+            <a:ext uri="{91240B29-F687-4f45-9708-019B960494DF}">
+              <a14:hiddenLine xmlns="" xmlns:a14="http://schemas.microsoft.com/office/drawing/2010/main" w="9525">
+                <a:solidFill>
+                  <a:srgbClr val="000000"/>
+                </a:solidFill>
+                <a:miter lim="800000"/>
+                <a:headEnd/>
+                <a:tailEnd/>
+              </a14:hiddenLine>
+            </a:ext>
+            <a:ext uri="{AF507438-7753-43e0-B8FC-AC1667EBCBE1}">
+              <a14:hiddenEffects xmlns="" xmlns:a14="http://schemas.microsoft.com/office/drawing/2010/main">
+                <a:effectLst>
+                  <a:outerShdw blurRad="63500" dist="38099" dir="2700000" algn="ctr" rotWithShape="0">
+                    <a:schemeClr val="bg2">
+                      <a:alpha val="74998"/>
+                    </a:schemeClr>
+                  </a:outerShdw>
+                </a:effectLst>
+              </a14:hiddenEffects>
+            </a:ext>
+          </a:extLst>
+        </p:spPr>
+        <p:txBody>
+          <a:bodyPr/>
+          <a:lstStyle/>
+          <a:p>
+            <a:pPr marL="342900" indent="-342900">
+              <a:lnSpc>
+                <a:spcPct val="110000"/>
+              </a:lnSpc>
+              <a:spcBef>
+                <a:spcPct val="20000"/>
+              </a:spcBef>
+              <a:buClr>
+                <a:schemeClr val="tx2"/>
+              </a:buClr>
+              <a:buFont typeface="Wingdings" pitchFamily="2" charset="2"/>
+              <a:buChar char="v"/>
+            </a:pPr>
+            <a:endParaRPr lang="zh-CN" altLang="en-US" sz="2800" dirty="0">
+              <a:latin typeface="Courier New" pitchFamily="49" charset="0"/>
+              <a:ea typeface="宋体" pitchFamily="2" charset="-122"/>
+              <a:sym typeface="Arial" pitchFamily="34" charset="0"/>
+            </a:endParaRPr>
+          </a:p>
+        </p:txBody>
+      </p:sp>
+    </p:spTree>
+  </p:cSld>
+  <p:clrMapOvr>
+    <a:masterClrMapping/>
+  </p:clrMapOvr>
+  <mc:AlternateContent xmlns:mc="http://schemas.openxmlformats.org/markup-compatibility/2006" xmlns:p14="http://schemas.microsoft.com/office/powerpoint/2010/main">
+    <mc:Choice Requires="p14">
+      <p:transition spd="med" p14:dur="700">
+        <p:fade/>
+      </p:transition>
+    </mc:Choice>
+    <mc:Fallback xmlns="">
+      <p:transition spd="med">
+        <p:fade/>
+      </p:transition>
+    </mc:Fallback>
+  </mc:AlternateContent>
+</p:sld>
+</file>
+
+<file path=ppt/slides/slide30.xml><?xml version="1.0" encoding="utf-8"?>
 <p:sld xmlns:a="http://schemas.openxmlformats.org/drawingml/2006/main" xmlns:r="http://schemas.openxmlformats.org/officeDocument/2006/relationships" xmlns:p="http://schemas.openxmlformats.org/presentationml/2006/main">
   <p:cSld>
     <p:spTree>
@@ -26411,7 +26831,15 @@
             </a:pPr>
             <a:r>
               <a:rPr lang="zh-CN" altLang="zh-CN" dirty="0"/>
-              <a:t>	      if(t.getTime()%10 == 0) {</a:t>
+              <a:t>	      if(t.getTime()%</a:t>
+            </a:r>
+            <a:r>
+              <a:rPr lang="en-US" altLang="zh-CN" dirty="0"/>
+              <a:t>2</a:t>
+            </a:r>
+            <a:r>
+              <a:rPr lang="zh-CN" altLang="zh-CN" dirty="0"/>
+              <a:t> == 0) {</a:t>
             </a:r>
           </a:p>
           <a:p>
@@ -26447,7 +26875,7 @@
             </a:pPr>
             <a:r>
               <a:rPr lang="zh-CN" altLang="zh-CN" dirty="0"/>
-              <a:t>	          if ( t.getTime()==100 ) break;</a:t>
+              <a:t>	          if ( t.getTime()==10 ) break;</a:t>
             </a:r>
           </a:p>
           <a:p>
@@ -26944,202 +27372,7 @@
 </p:sld>
 </file>
 
-<file path=ppt/slides/slide3.xml><?xml version="1.0" encoding="utf-8"?>
-<p:sld xmlns:a="http://schemas.openxmlformats.org/drawingml/2006/main" xmlns:r="http://schemas.openxmlformats.org/officeDocument/2006/relationships" xmlns:p="http://schemas.openxmlformats.org/presentationml/2006/main">
-  <p:cSld>
-    <p:spTree>
-      <p:nvGrpSpPr>
-        <p:cNvPr id="1" name=""/>
-        <p:cNvGrpSpPr/>
-        <p:nvPr/>
-      </p:nvGrpSpPr>
-      <p:grpSpPr>
-        <a:xfrm>
-          <a:off x="0" y="0"/>
-          <a:ext cx="0" cy="0"/>
-          <a:chOff x="0" y="0"/>
-          <a:chExt cx="0" cy="0"/>
-        </a:xfrm>
-      </p:grpSpPr>
-      <p:sp>
-        <p:nvSpPr>
-          <p:cNvPr id="24578" name="Rectangle 2"/>
-          <p:cNvSpPr>
-            <a:spLocks noGrp="1" noChangeArrowheads="1"/>
-          </p:cNvSpPr>
-          <p:nvPr>
-            <p:ph type="title"/>
-          </p:nvPr>
-        </p:nvSpPr>
-        <p:spPr/>
-        <p:txBody>
-          <a:bodyPr/>
-          <a:lstStyle/>
-          <a:p>
-            <a:r>
-              <a:rPr lang="zh-CN" dirty="0">
-                <a:sym typeface="Arial" charset="0"/>
-              </a:rPr>
-              <a:t>线程</a:t>
-            </a:r>
-          </a:p>
-        </p:txBody>
-      </p:sp>
-      <p:sp>
-        <p:nvSpPr>
-          <p:cNvPr id="24579" name="Rectangle 3"/>
-          <p:cNvSpPr>
-            <a:spLocks noGrp="1" noChangeArrowheads="1"/>
-          </p:cNvSpPr>
-          <p:nvPr>
-            <p:ph sz="quarter" idx="10"/>
-          </p:nvPr>
-        </p:nvSpPr>
-        <p:spPr/>
-        <p:txBody>
-          <a:bodyPr/>
-          <a:lstStyle/>
-          <a:p>
-            <a:r>
-              <a:rPr lang="zh-CN" altLang="en-US">
-                <a:sym typeface="Arial" pitchFamily="34" charset="0"/>
-              </a:rPr>
-              <a:t>线程就是应用程序中的一个可执行线索，多线程就是同一个应用程序中有多个可执行线索，它们可以并发执行。</a:t>
-            </a:r>
-            <a:endParaRPr lang="en-US" altLang="zh-CN">
-              <a:sym typeface="Arial" pitchFamily="34" charset="0"/>
-            </a:endParaRPr>
-          </a:p>
-          <a:p>
-            <a:r>
-              <a:rPr lang="zh-CN" altLang="en-US">
-                <a:sym typeface="Arial" pitchFamily="34" charset="0"/>
-              </a:rPr>
-              <a:t>多线程就是同一程序中多个任务的并发实现。</a:t>
-            </a:r>
-            <a:endParaRPr lang="en-US" altLang="zh-CN">
-              <a:sym typeface="Arial" pitchFamily="34" charset="0"/>
-            </a:endParaRPr>
-          </a:p>
-          <a:p>
-            <a:r>
-              <a:rPr lang="zh-CN" altLang="en-US">
-                <a:sym typeface="Arial" pitchFamily="34" charset="0"/>
-              </a:rPr>
-              <a:t>同类的多个线程是共享一块内存空间和一组系统资源，而线程本身的数据通常只有微处理器的寄存器数据，以及一个供程序执行时使用的堆栈。</a:t>
-            </a:r>
-            <a:endParaRPr lang="zh-CN" altLang="zh-CN">
-              <a:sym typeface="Arial" pitchFamily="34" charset="0"/>
-            </a:endParaRPr>
-          </a:p>
-          <a:p>
-            <a:endParaRPr lang="zh-CN" altLang="zh-CN">
-              <a:sym typeface="Arial" pitchFamily="34" charset="0"/>
-            </a:endParaRPr>
-          </a:p>
-          <a:p>
-            <a:endParaRPr lang="zh-CN" dirty="0"/>
-          </a:p>
-        </p:txBody>
-      </p:sp>
-      <p:sp>
-        <p:nvSpPr>
-          <p:cNvPr id="24580" name="Rectangle 4"/>
-          <p:cNvSpPr>
-            <a:spLocks noGrp="1" noChangeArrowheads="1"/>
-          </p:cNvSpPr>
-          <p:nvPr/>
-        </p:nvSpPr>
-        <p:spPr bwMode="auto">
-          <a:xfrm>
-            <a:off x="1981200" y="3352800"/>
-            <a:ext cx="8229600" cy="609600"/>
-          </a:xfrm>
-          <a:prstGeom prst="rect">
-            <a:avLst/>
-          </a:prstGeom>
-          <a:noFill/>
-          <a:ln>
-            <a:noFill/>
-          </a:ln>
-          <a:effectLst/>
-          <a:extLst>
-            <a:ext uri="{909E8E84-426E-40dd-AFC4-6F175D3DCCD1}">
-              <a14:hiddenFill xmlns="" xmlns:a14="http://schemas.microsoft.com/office/drawing/2010/main">
-                <a:solidFill>
-                  <a:schemeClr val="accent1"/>
-                </a:solidFill>
-              </a14:hiddenFill>
-            </a:ext>
-            <a:ext uri="{91240B29-F687-4f45-9708-019B960494DF}">
-              <a14:hiddenLine xmlns="" xmlns:a14="http://schemas.microsoft.com/office/drawing/2010/main" w="9525">
-                <a:solidFill>
-                  <a:srgbClr val="000000"/>
-                </a:solidFill>
-                <a:miter lim="800000"/>
-                <a:headEnd/>
-                <a:tailEnd/>
-              </a14:hiddenLine>
-            </a:ext>
-            <a:ext uri="{AF507438-7753-43e0-B8FC-AC1667EBCBE1}">
-              <a14:hiddenEffects xmlns="" xmlns:a14="http://schemas.microsoft.com/office/drawing/2010/main">
-                <a:effectLst>
-                  <a:outerShdw blurRad="63500" dist="38099" dir="2700000" algn="ctr" rotWithShape="0">
-                    <a:schemeClr val="bg2">
-                      <a:alpha val="74998"/>
-                    </a:schemeClr>
-                  </a:outerShdw>
-                </a:effectLst>
-              </a14:hiddenEffects>
-            </a:ext>
-          </a:extLst>
-        </p:spPr>
-        <p:txBody>
-          <a:bodyPr/>
-          <a:lstStyle/>
-          <a:p>
-            <a:pPr marL="342900" indent="-342900">
-              <a:lnSpc>
-                <a:spcPct val="110000"/>
-              </a:lnSpc>
-              <a:spcBef>
-                <a:spcPct val="20000"/>
-              </a:spcBef>
-              <a:buClr>
-                <a:schemeClr val="tx2"/>
-              </a:buClr>
-              <a:buFont typeface="Wingdings" pitchFamily="2" charset="2"/>
-              <a:buChar char="v"/>
-            </a:pPr>
-            <a:endParaRPr lang="zh-CN" altLang="en-US" sz="2800" dirty="0">
-              <a:latin typeface="Courier New" pitchFamily="49" charset="0"/>
-              <a:ea typeface="宋体" pitchFamily="2" charset="-122"/>
-              <a:sym typeface="Arial" pitchFamily="34" charset="0"/>
-            </a:endParaRPr>
-          </a:p>
-        </p:txBody>
-      </p:sp>
-    </p:spTree>
-  </p:cSld>
-  <p:clrMapOvr>
-    <a:masterClrMapping/>
-  </p:clrMapOvr>
-  <mc:AlternateContent xmlns:mc="http://schemas.openxmlformats.org/markup-compatibility/2006" xmlns:p14="http://schemas.microsoft.com/office/powerpoint/2010/main">
-    <mc:Choice Requires="p14">
-      <p:transition spd="med" p14:dur="700">
-        <p:fade/>
-      </p:transition>
-    </mc:Choice>
-    <mc:Fallback xmlns="">
-      <p:transition spd="med">
-        <p:fade/>
-      </p:transition>
-    </mc:Fallback>
-  </mc:AlternateContent>
-</p:sld>
-</file>
-
-<file path=ppt/slides/slide30.xml><?xml version="1.0" encoding="utf-8"?>
+<file path=ppt/slides/slide31.xml><?xml version="1.0" encoding="utf-8"?>
 <p:sld xmlns:a="http://schemas.openxmlformats.org/drawingml/2006/main" xmlns:r="http://schemas.openxmlformats.org/officeDocument/2006/relationships" xmlns:p="http://schemas.openxmlformats.org/presentationml/2006/main">
   <p:cSld>
     <p:spTree>
@@ -27320,7 +27553,7 @@
 </p:sld>
 </file>
 
-<file path=ppt/slides/slide31.xml><?xml version="1.0" encoding="utf-8"?>
+<file path=ppt/slides/slide32.xml><?xml version="1.0" encoding="utf-8"?>
 <p:sld xmlns:a="http://schemas.openxmlformats.org/drawingml/2006/main" xmlns:r="http://schemas.openxmlformats.org/officeDocument/2006/relationships" xmlns:p="http://schemas.openxmlformats.org/presentationml/2006/main">
   <p:cSld>
     <p:spTree>
@@ -27517,7 +27750,7 @@
 </p:sld>
 </file>
 
-<file path=ppt/slides/slide32.xml><?xml version="1.0" encoding="utf-8"?>
+<file path=ppt/slides/slide33.xml><?xml version="1.0" encoding="utf-8"?>
 <p:sld xmlns:a="http://schemas.openxmlformats.org/drawingml/2006/main" xmlns:r="http://schemas.openxmlformats.org/officeDocument/2006/relationships" xmlns:p="http://schemas.openxmlformats.org/presentationml/2006/main">
   <p:cSld>
     <p:spTree>
